--- a/docs/tidyfst-Rconf.pptx
+++ b/docs/tidyfst-Rconf.pptx
@@ -241,7 +241,7 @@
           <a:p>
             <a:fld id="{169E4104-2A06-4F3B-97B7-9A96C0C406DE}" type="datetimeFigureOut">
               <a:rPr lang="zh-CN" altLang="en-US" smtClean="0"/>
-              <a:t>2022/4/28</a:t>
+              <a:t>2022/10/8</a:t>
             </a:fld>
             <a:endParaRPr lang="zh-CN" altLang="en-US"/>
           </a:p>
@@ -3809,7 +3809,7 @@
           <a:p>
             <a:fld id="{2540F94E-B641-4017-A995-067AA949C535}" type="datetimeFigureOut">
               <a:rPr lang="zh-CN" altLang="en-US" smtClean="0"/>
-              <a:t>2022/4/28</a:t>
+              <a:t>2022/10/8</a:t>
             </a:fld>
             <a:endParaRPr lang="zh-CN" altLang="en-US"/>
           </a:p>
@@ -3979,7 +3979,7 @@
           <a:p>
             <a:fld id="{2540F94E-B641-4017-A995-067AA949C535}" type="datetimeFigureOut">
               <a:rPr lang="zh-CN" altLang="en-US" smtClean="0"/>
-              <a:t>2022/4/28</a:t>
+              <a:t>2022/10/8</a:t>
             </a:fld>
             <a:endParaRPr lang="zh-CN" altLang="en-US"/>
           </a:p>
@@ -4159,7 +4159,7 @@
           <a:p>
             <a:fld id="{2540F94E-B641-4017-A995-067AA949C535}" type="datetimeFigureOut">
               <a:rPr lang="zh-CN" altLang="en-US" smtClean="0"/>
-              <a:t>2022/4/28</a:t>
+              <a:t>2022/10/8</a:t>
             </a:fld>
             <a:endParaRPr lang="zh-CN" altLang="en-US"/>
           </a:p>
@@ -4329,7 +4329,7 @@
           <a:p>
             <a:fld id="{2540F94E-B641-4017-A995-067AA949C535}" type="datetimeFigureOut">
               <a:rPr lang="zh-CN" altLang="en-US" smtClean="0"/>
-              <a:t>2022/4/28</a:t>
+              <a:t>2022/10/8</a:t>
             </a:fld>
             <a:endParaRPr lang="zh-CN" altLang="en-US"/>
           </a:p>
@@ -4573,7 +4573,7 @@
           <a:p>
             <a:fld id="{2540F94E-B641-4017-A995-067AA949C535}" type="datetimeFigureOut">
               <a:rPr lang="zh-CN" altLang="en-US" smtClean="0"/>
-              <a:t>2022/4/28</a:t>
+              <a:t>2022/10/8</a:t>
             </a:fld>
             <a:endParaRPr lang="zh-CN" altLang="en-US"/>
           </a:p>
@@ -4805,7 +4805,7 @@
           <a:p>
             <a:fld id="{2540F94E-B641-4017-A995-067AA949C535}" type="datetimeFigureOut">
               <a:rPr lang="zh-CN" altLang="en-US" smtClean="0"/>
-              <a:t>2022/4/28</a:t>
+              <a:t>2022/10/8</a:t>
             </a:fld>
             <a:endParaRPr lang="zh-CN" altLang="en-US"/>
           </a:p>
@@ -5172,7 +5172,7 @@
           <a:p>
             <a:fld id="{2540F94E-B641-4017-A995-067AA949C535}" type="datetimeFigureOut">
               <a:rPr lang="zh-CN" altLang="en-US" smtClean="0"/>
-              <a:t>2022/4/28</a:t>
+              <a:t>2022/10/8</a:t>
             </a:fld>
             <a:endParaRPr lang="zh-CN" altLang="en-US"/>
           </a:p>
@@ -5290,7 +5290,7 @@
           <a:p>
             <a:fld id="{2540F94E-B641-4017-A995-067AA949C535}" type="datetimeFigureOut">
               <a:rPr lang="zh-CN" altLang="en-US" smtClean="0"/>
-              <a:t>2022/4/28</a:t>
+              <a:t>2022/10/8</a:t>
             </a:fld>
             <a:endParaRPr lang="zh-CN" altLang="en-US"/>
           </a:p>
@@ -5385,7 +5385,7 @@
           <a:p>
             <a:fld id="{2540F94E-B641-4017-A995-067AA949C535}" type="datetimeFigureOut">
               <a:rPr lang="zh-CN" altLang="en-US" smtClean="0"/>
-              <a:t>2022/4/28</a:t>
+              <a:t>2022/10/8</a:t>
             </a:fld>
             <a:endParaRPr lang="zh-CN" altLang="en-US"/>
           </a:p>
@@ -5662,7 +5662,7 @@
           <a:p>
             <a:fld id="{2540F94E-B641-4017-A995-067AA949C535}" type="datetimeFigureOut">
               <a:rPr lang="zh-CN" altLang="en-US" smtClean="0"/>
-              <a:t>2022/4/28</a:t>
+              <a:t>2022/10/8</a:t>
             </a:fld>
             <a:endParaRPr lang="zh-CN" altLang="en-US"/>
           </a:p>
@@ -5919,7 +5919,7 @@
           <a:p>
             <a:fld id="{2540F94E-B641-4017-A995-067AA949C535}" type="datetimeFigureOut">
               <a:rPr lang="zh-CN" altLang="en-US" smtClean="0"/>
-              <a:t>2022/4/28</a:t>
+              <a:t>2022/10/8</a:t>
             </a:fld>
             <a:endParaRPr lang="zh-CN" altLang="en-US"/>
           </a:p>
@@ -6132,7 +6132,7 @@
           <a:p>
             <a:fld id="{2540F94E-B641-4017-A995-067AA949C535}" type="datetimeFigureOut">
               <a:rPr lang="zh-CN" altLang="en-US" smtClean="0"/>
-              <a:t>2022/4/28</a:t>
+              <a:t>2022/10/8</a:t>
             </a:fld>
             <a:endParaRPr lang="zh-CN" altLang="en-US"/>
           </a:p>
@@ -9294,7 +9294,7 @@
                 <a:latin typeface="arial" panose="020B0604020202020204" pitchFamily="34" charset="0"/>
                 <a:ea typeface="仿宋" panose="02010609060101010101" pitchFamily="49" charset="-122"/>
               </a:rPr>
-              <a:t>避免原味操作</a:t>
+              <a:t>避免原位操作</a:t>
             </a:r>
             <a:endParaRPr lang="en-US" altLang="zh-CN" sz="2400" b="1" dirty="0">
               <a:solidFill>
@@ -11561,8 +11561,8 @@
         </p:nvSpPr>
         <p:spPr>
           <a:xfrm>
-            <a:off x="1108529" y="1953307"/>
-            <a:ext cx="4852884" cy="2951385"/>
+            <a:off x="1108528" y="1953307"/>
+            <a:ext cx="6515429" cy="2951385"/>
           </a:xfrm>
           <a:prstGeom prst="rect">
             <a:avLst/>
@@ -11723,7 +11723,7 @@
                 <a:latin typeface="arial" panose="020B0604020202020204" pitchFamily="34" charset="0"/>
                 <a:ea typeface="仿宋" panose="02010609060101010101" pitchFamily="49" charset="-122"/>
               </a:rPr>
-              <a:t>fst</a:t>
+              <a:t>tidyfst</a:t>
             </a:r>
             <a:r>
               <a:rPr lang="en-US" altLang="zh-CN" sz="3200" b="1" dirty="0">
@@ -11733,7 +11733,17 @@
                 <a:latin typeface="arial" panose="020B0604020202020204" pitchFamily="34" charset="0"/>
                 <a:ea typeface="仿宋" panose="02010609060101010101" pitchFamily="49" charset="-122"/>
               </a:rPr>
-              <a:t>/table</a:t>
+              <a:t> / </a:t>
+            </a:r>
+            <a:r>
+              <a:rPr lang="en-US" altLang="zh-CN" sz="3200" b="1" dirty="0" err="1">
+                <a:solidFill>
+                  <a:srgbClr val="4D5156"/>
+                </a:solidFill>
+                <a:latin typeface="arial" panose="020B0604020202020204" pitchFamily="34" charset="0"/>
+                <a:ea typeface="仿宋" panose="02010609060101010101" pitchFamily="49" charset="-122"/>
+              </a:rPr>
+              <a:t>tidytable</a:t>
             </a:r>
             <a:r>
               <a:rPr lang="zh-CN" altLang="en-US" sz="3200" b="1" dirty="0">

--- a/docs/tidyfst-Rconf.pptx
+++ b/docs/tidyfst-Rconf.pptx
@@ -5,7 +5,7 @@
     <p:sldMasterId id="2147483660" r:id="rId1"/>
   </p:sldMasterIdLst>
   <p:notesMasterIdLst>
-    <p:notesMasterId r:id="rId36"/>
+    <p:notesMasterId r:id="rId37"/>
   </p:notesMasterIdLst>
   <p:sldIdLst>
     <p:sldId id="256" r:id="rId2"/>
@@ -39,9 +39,10 @@
     <p:sldId id="378" r:id="rId30"/>
     <p:sldId id="380" r:id="rId31"/>
     <p:sldId id="379" r:id="rId32"/>
-    <p:sldId id="382" r:id="rId33"/>
-    <p:sldId id="375" r:id="rId34"/>
-    <p:sldId id="346" r:id="rId35"/>
+    <p:sldId id="383" r:id="rId33"/>
+    <p:sldId id="382" r:id="rId34"/>
+    <p:sldId id="375" r:id="rId35"/>
+    <p:sldId id="346" r:id="rId36"/>
   </p:sldIdLst>
   <p:sldSz cx="9144000" cy="6858000" type="screen4x3"/>
   <p:notesSz cx="6797675" cy="9928225"/>
@@ -241,7 +242,7 @@
           <a:p>
             <a:fld id="{169E4104-2A06-4F3B-97B7-9A96C0C406DE}" type="datetimeFigureOut">
               <a:rPr lang="zh-CN" altLang="en-US" smtClean="0"/>
-              <a:t>2022/10/8</a:t>
+              <a:t>2022/10/14</a:t>
             </a:fld>
             <a:endParaRPr lang="zh-CN" altLang="en-US"/>
           </a:p>
@@ -2924,7 +2925,7 @@
     </p:spTree>
     <p:extLst>
       <p:ext uri="{BB962C8B-B14F-4D97-AF65-F5344CB8AC3E}">
-        <p14:creationId xmlns:p14="http://schemas.microsoft.com/office/powerpoint/2010/main" val="3161893028"/>
+        <p14:creationId xmlns:p14="http://schemas.microsoft.com/office/powerpoint/2010/main" val="1232905837"/>
       </p:ext>
     </p:extLst>
   </p:cSld>
@@ -3017,7 +3018,7 @@
     </p:spTree>
     <p:extLst>
       <p:ext uri="{BB962C8B-B14F-4D97-AF65-F5344CB8AC3E}">
-        <p14:creationId xmlns:p14="http://schemas.microsoft.com/office/powerpoint/2010/main" val="702064993"/>
+        <p14:creationId xmlns:p14="http://schemas.microsoft.com/office/powerpoint/2010/main" val="3161893028"/>
       </p:ext>
     </p:extLst>
   </p:cSld>
@@ -3098,6 +3099,99 @@
               </a:rPr>
               <a:pPr/>
               <a:t>34</a:t>
+            </a:fld>
+            <a:endParaRPr lang="zh-CN" altLang="en-US">
+              <a:solidFill>
+                <a:prstClr val="black"/>
+              </a:solidFill>
+            </a:endParaRPr>
+          </a:p>
+        </p:txBody>
+      </p:sp>
+    </p:spTree>
+    <p:extLst>
+      <p:ext uri="{BB962C8B-B14F-4D97-AF65-F5344CB8AC3E}">
+        <p14:creationId xmlns:p14="http://schemas.microsoft.com/office/powerpoint/2010/main" val="702064993"/>
+      </p:ext>
+    </p:extLst>
+  </p:cSld>
+  <p:clrMapOvr>
+    <a:masterClrMapping/>
+  </p:clrMapOvr>
+</p:notes>
+</file>
+
+<file path=ppt/notesSlides/notesSlide35.xml><?xml version="1.0" encoding="utf-8"?>
+<p:notes xmlns:a="http://schemas.openxmlformats.org/drawingml/2006/main" xmlns:r="http://schemas.openxmlformats.org/officeDocument/2006/relationships" xmlns:p="http://schemas.openxmlformats.org/presentationml/2006/main">
+  <p:cSld>
+    <p:spTree>
+      <p:nvGrpSpPr>
+        <p:cNvPr id="1" name=""/>
+        <p:cNvGrpSpPr/>
+        <p:nvPr/>
+      </p:nvGrpSpPr>
+      <p:grpSpPr>
+        <a:xfrm>
+          <a:off x="0" y="0"/>
+          <a:ext cx="0" cy="0"/>
+          <a:chOff x="0" y="0"/>
+          <a:chExt cx="0" cy="0"/>
+        </a:xfrm>
+      </p:grpSpPr>
+      <p:sp>
+        <p:nvSpPr>
+          <p:cNvPr id="2" name="幻灯片图像占位符 1"/>
+          <p:cNvSpPr>
+            <a:spLocks noGrp="1" noRot="1" noChangeAspect="1"/>
+          </p:cNvSpPr>
+          <p:nvPr>
+            <p:ph type="sldImg"/>
+          </p:nvPr>
+        </p:nvSpPr>
+        <p:spPr/>
+      </p:sp>
+      <p:sp>
+        <p:nvSpPr>
+          <p:cNvPr id="3" name="备注占位符 2"/>
+          <p:cNvSpPr>
+            <a:spLocks noGrp="1"/>
+          </p:cNvSpPr>
+          <p:nvPr>
+            <p:ph type="body" idx="1"/>
+          </p:nvPr>
+        </p:nvSpPr>
+        <p:spPr/>
+        <p:txBody>
+          <a:bodyPr/>
+          <a:lstStyle/>
+          <a:p>
+            <a:endParaRPr lang="zh-CN" altLang="en-US" dirty="0"/>
+          </a:p>
+        </p:txBody>
+      </p:sp>
+      <p:sp>
+        <p:nvSpPr>
+          <p:cNvPr id="4" name="灯片编号占位符 3"/>
+          <p:cNvSpPr>
+            <a:spLocks noGrp="1"/>
+          </p:cNvSpPr>
+          <p:nvPr>
+            <p:ph type="sldNum" sz="quarter" idx="10"/>
+          </p:nvPr>
+        </p:nvSpPr>
+        <p:spPr/>
+        <p:txBody>
+          <a:bodyPr/>
+          <a:lstStyle/>
+          <a:p>
+            <a:fld id="{6774B010-CA02-4520-9382-8F7774323ECB}" type="slidenum">
+              <a:rPr lang="zh-CN" altLang="en-US">
+                <a:solidFill>
+                  <a:prstClr val="black"/>
+                </a:solidFill>
+              </a:rPr>
+              <a:pPr/>
+              <a:t>35</a:t>
             </a:fld>
             <a:endParaRPr lang="zh-CN" altLang="en-US">
               <a:solidFill>
@@ -3809,7 +3903,7 @@
           <a:p>
             <a:fld id="{2540F94E-B641-4017-A995-067AA949C535}" type="datetimeFigureOut">
               <a:rPr lang="zh-CN" altLang="en-US" smtClean="0"/>
-              <a:t>2022/10/8</a:t>
+              <a:t>2022/10/14</a:t>
             </a:fld>
             <a:endParaRPr lang="zh-CN" altLang="en-US"/>
           </a:p>
@@ -3979,7 +4073,7 @@
           <a:p>
             <a:fld id="{2540F94E-B641-4017-A995-067AA949C535}" type="datetimeFigureOut">
               <a:rPr lang="zh-CN" altLang="en-US" smtClean="0"/>
-              <a:t>2022/10/8</a:t>
+              <a:t>2022/10/14</a:t>
             </a:fld>
             <a:endParaRPr lang="zh-CN" altLang="en-US"/>
           </a:p>
@@ -4159,7 +4253,7 @@
           <a:p>
             <a:fld id="{2540F94E-B641-4017-A995-067AA949C535}" type="datetimeFigureOut">
               <a:rPr lang="zh-CN" altLang="en-US" smtClean="0"/>
-              <a:t>2022/10/8</a:t>
+              <a:t>2022/10/14</a:t>
             </a:fld>
             <a:endParaRPr lang="zh-CN" altLang="en-US"/>
           </a:p>
@@ -4329,7 +4423,7 @@
           <a:p>
             <a:fld id="{2540F94E-B641-4017-A995-067AA949C535}" type="datetimeFigureOut">
               <a:rPr lang="zh-CN" altLang="en-US" smtClean="0"/>
-              <a:t>2022/10/8</a:t>
+              <a:t>2022/10/14</a:t>
             </a:fld>
             <a:endParaRPr lang="zh-CN" altLang="en-US"/>
           </a:p>
@@ -4573,7 +4667,7 @@
           <a:p>
             <a:fld id="{2540F94E-B641-4017-A995-067AA949C535}" type="datetimeFigureOut">
               <a:rPr lang="zh-CN" altLang="en-US" smtClean="0"/>
-              <a:t>2022/10/8</a:t>
+              <a:t>2022/10/14</a:t>
             </a:fld>
             <a:endParaRPr lang="zh-CN" altLang="en-US"/>
           </a:p>
@@ -4805,7 +4899,7 @@
           <a:p>
             <a:fld id="{2540F94E-B641-4017-A995-067AA949C535}" type="datetimeFigureOut">
               <a:rPr lang="zh-CN" altLang="en-US" smtClean="0"/>
-              <a:t>2022/10/8</a:t>
+              <a:t>2022/10/14</a:t>
             </a:fld>
             <a:endParaRPr lang="zh-CN" altLang="en-US"/>
           </a:p>
@@ -5172,7 +5266,7 @@
           <a:p>
             <a:fld id="{2540F94E-B641-4017-A995-067AA949C535}" type="datetimeFigureOut">
               <a:rPr lang="zh-CN" altLang="en-US" smtClean="0"/>
-              <a:t>2022/10/8</a:t>
+              <a:t>2022/10/14</a:t>
             </a:fld>
             <a:endParaRPr lang="zh-CN" altLang="en-US"/>
           </a:p>
@@ -5290,7 +5384,7 @@
           <a:p>
             <a:fld id="{2540F94E-B641-4017-A995-067AA949C535}" type="datetimeFigureOut">
               <a:rPr lang="zh-CN" altLang="en-US" smtClean="0"/>
-              <a:t>2022/10/8</a:t>
+              <a:t>2022/10/14</a:t>
             </a:fld>
             <a:endParaRPr lang="zh-CN" altLang="en-US"/>
           </a:p>
@@ -5385,7 +5479,7 @@
           <a:p>
             <a:fld id="{2540F94E-B641-4017-A995-067AA949C535}" type="datetimeFigureOut">
               <a:rPr lang="zh-CN" altLang="en-US" smtClean="0"/>
-              <a:t>2022/10/8</a:t>
+              <a:t>2022/10/14</a:t>
             </a:fld>
             <a:endParaRPr lang="zh-CN" altLang="en-US"/>
           </a:p>
@@ -5662,7 +5756,7 @@
           <a:p>
             <a:fld id="{2540F94E-B641-4017-A995-067AA949C535}" type="datetimeFigureOut">
               <a:rPr lang="zh-CN" altLang="en-US" smtClean="0"/>
-              <a:t>2022/10/8</a:t>
+              <a:t>2022/10/14</a:t>
             </a:fld>
             <a:endParaRPr lang="zh-CN" altLang="en-US"/>
           </a:p>
@@ -5919,7 +6013,7 @@
           <a:p>
             <a:fld id="{2540F94E-B641-4017-A995-067AA949C535}" type="datetimeFigureOut">
               <a:rPr lang="zh-CN" altLang="en-US" smtClean="0"/>
-              <a:t>2022/10/8</a:t>
+              <a:t>2022/10/14</a:t>
             </a:fld>
             <a:endParaRPr lang="zh-CN" altLang="en-US"/>
           </a:p>
@@ -6132,7 +6226,7 @@
           <a:p>
             <a:fld id="{2540F94E-B641-4017-A995-067AA949C535}" type="datetimeFigureOut">
               <a:rPr lang="zh-CN" altLang="en-US" smtClean="0"/>
-              <a:t>2022/10/8</a:t>
+              <a:t>2022/10/14</a:t>
             </a:fld>
             <a:endParaRPr lang="zh-CN" altLang="en-US"/>
           </a:p>
@@ -9306,6 +9400,53 @@
           </a:p>
         </p:txBody>
       </p:sp>
+      <p:pic>
+        <p:nvPicPr>
+          <p:cNvPr id="11" name="Picture 16" descr="Tidy Verbs for Fast Data Operations by Reference • tidyft">
+            <a:extLst>
+              <a:ext uri="{FF2B5EF4-FFF2-40B4-BE49-F238E27FC236}">
+                <a16:creationId xmlns:a16="http://schemas.microsoft.com/office/drawing/2014/main" id="{CD742254-83B0-4CC5-9C09-25F689E2A1AE}"/>
+              </a:ext>
+            </a:extLst>
+          </p:cNvPr>
+          <p:cNvPicPr>
+            <a:picLocks noChangeAspect="1" noChangeArrowheads="1"/>
+          </p:cNvPicPr>
+          <p:nvPr/>
+        </p:nvPicPr>
+        <p:blipFill>
+          <a:blip r:embed="rId6">
+            <a:extLst>
+              <a:ext uri="{28A0092B-C50C-407E-A947-70E740481C1C}">
+                <a14:useLocalDpi xmlns:a14="http://schemas.microsoft.com/office/drawing/2010/main" val="0"/>
+              </a:ext>
+            </a:extLst>
+          </a:blip>
+          <a:srcRect/>
+          <a:stretch>
+            <a:fillRect/>
+          </a:stretch>
+        </p:blipFill>
+        <p:spPr bwMode="auto">
+          <a:xfrm>
+            <a:off x="7623958" y="2684107"/>
+            <a:ext cx="1175657" cy="1373102"/>
+          </a:xfrm>
+          <a:prstGeom prst="rect">
+            <a:avLst/>
+          </a:prstGeom>
+          <a:noFill/>
+          <a:extLst>
+            <a:ext uri="{909E8E84-426E-40DD-AFC4-6F175D3DCCD1}">
+              <a14:hiddenFill xmlns:a14="http://schemas.microsoft.com/office/drawing/2010/main">
+                <a:solidFill>
+                  <a:srgbClr val="FFFFFF"/>
+                </a:solidFill>
+              </a14:hiddenFill>
+            </a:ext>
+          </a:extLst>
+        </p:spPr>
+      </p:pic>
     </p:spTree>
     <p:extLst>
       <p:ext uri="{BB962C8B-B14F-4D97-AF65-F5344CB8AC3E}">
@@ -20648,6 +20789,17 @@
                 </a:rPr>
                 <a:t>投入实践：</a:t>
               </a:r>
+              <a:r>
+                <a:rPr lang="en-US" altLang="zh-CN" sz="3200" dirty="0" err="1">
+                  <a:solidFill>
+                    <a:prstClr val="white"/>
+                  </a:solidFill>
+                  <a:latin typeface="Times New Roman" panose="02020603050405020304" pitchFamily="18" charset="0"/>
+                  <a:ea typeface="黑体" panose="02010609060101010101" pitchFamily="49" charset="-122"/>
+                  <a:cs typeface="Times New Roman" panose="02020603050405020304" pitchFamily="18" charset="0"/>
+                </a:rPr>
+                <a:t>col_max</a:t>
+              </a:r>
               <a:endParaRPr lang="zh-CN" altLang="en-US" sz="3200" dirty="0">
                 <a:solidFill>
                   <a:prstClr val="white"/>
@@ -20802,10 +20954,10 @@
       </p:pic>
       <p:sp>
         <p:nvSpPr>
-          <p:cNvPr id="2" name="矩形 1">
+          <p:cNvPr id="8" name="矩形 7">
             <a:extLst>
               <a:ext uri="{FF2B5EF4-FFF2-40B4-BE49-F238E27FC236}">
-                <a16:creationId xmlns:a16="http://schemas.microsoft.com/office/drawing/2014/main" id="{E2FA8DFF-3F68-440A-8962-DFC96FF0D19F}"/>
+                <a16:creationId xmlns:a16="http://schemas.microsoft.com/office/drawing/2014/main" id="{8CE133F7-EB78-465F-9B56-ABEB14D10644}"/>
               </a:ext>
             </a:extLst>
           </p:cNvPr>
@@ -20814,8 +20966,8 @@
         </p:nvSpPr>
         <p:spPr>
           <a:xfrm>
-            <a:off x="491344" y="2227061"/>
-            <a:ext cx="8486403" cy="461665"/>
+            <a:off x="1202816" y="1633584"/>
+            <a:ext cx="6421142" cy="461665"/>
           </a:xfrm>
           <a:prstGeom prst="rect">
             <a:avLst/>
@@ -20827,43 +20979,6 @@
           </a:bodyPr>
           <a:lstStyle/>
           <a:p>
-            <a:r>
-              <a:rPr lang="zh-CN" altLang="en-US" sz="2400" b="1" dirty="0">
-                <a:latin typeface="Times New Roman" panose="02020603050405020304" pitchFamily="18" charset="0"/>
-                <a:cs typeface="Times New Roman" panose="02020603050405020304" pitchFamily="18" charset="0"/>
-              </a:rPr>
-              <a:t>https://hope-data-science.github.io/tidyfst/reference/index.html</a:t>
-            </a:r>
-          </a:p>
-        </p:txBody>
-      </p:sp>
-      <p:sp>
-        <p:nvSpPr>
-          <p:cNvPr id="9" name="矩形 8">
-            <a:extLst>
-              <a:ext uri="{FF2B5EF4-FFF2-40B4-BE49-F238E27FC236}">
-                <a16:creationId xmlns:a16="http://schemas.microsoft.com/office/drawing/2014/main" id="{5FAACFAB-449C-4778-AA1F-5330367A7586}"/>
-              </a:ext>
-            </a:extLst>
-          </p:cNvPr>
-          <p:cNvSpPr/>
-          <p:nvPr/>
-        </p:nvSpPr>
-        <p:spPr>
-          <a:xfrm>
-            <a:off x="1202816" y="1633584"/>
-            <a:ext cx="6421142" cy="461665"/>
-          </a:xfrm>
-          <a:prstGeom prst="rect">
-            <a:avLst/>
-          </a:prstGeom>
-        </p:spPr>
-        <p:txBody>
-          <a:bodyPr wrap="square">
-            <a:spAutoFit/>
-          </a:bodyPr>
-          <a:lstStyle/>
-          <a:p>
             <a:pPr algn="ctr"/>
             <a:r>
               <a:rPr lang="zh-CN" altLang="en-US" sz="2400" b="1" dirty="0">
@@ -20873,7 +20988,7 @@
                 <a:latin typeface="arial" panose="020B0604020202020204" pitchFamily="34" charset="0"/>
                 <a:ea typeface="仿宋" panose="02010609060101010101" pitchFamily="49" charset="-122"/>
               </a:rPr>
-              <a:t>全部函数的文档信息</a:t>
+              <a:t>获得行内最大值的列名</a:t>
             </a:r>
             <a:endParaRPr lang="en-US" altLang="zh-CN" sz="2400" b="1" dirty="0">
               <a:solidFill>
@@ -20887,10 +21002,10 @@
       </p:sp>
       <p:pic>
         <p:nvPicPr>
-          <p:cNvPr id="3" name="图片 2">
+          <p:cNvPr id="6" name="图片 5">
             <a:extLst>
               <a:ext uri="{FF2B5EF4-FFF2-40B4-BE49-F238E27FC236}">
-                <a16:creationId xmlns:a16="http://schemas.microsoft.com/office/drawing/2014/main" id="{C1D4933C-4583-46E7-8B07-A81A7ACD6587}"/>
+                <a16:creationId xmlns:a16="http://schemas.microsoft.com/office/drawing/2014/main" id="{B25D9D3E-D776-4C86-BBC3-95BCEAF18877}"/>
               </a:ext>
             </a:extLst>
           </p:cNvPr>
@@ -20907,6 +21022,483 @@
         </p:blipFill>
         <p:spPr>
           <a:xfrm>
+            <a:off x="994196" y="2428550"/>
+            <a:ext cx="7155607" cy="3246979"/>
+          </a:xfrm>
+          <a:prstGeom prst="rect">
+            <a:avLst/>
+          </a:prstGeom>
+        </p:spPr>
+      </p:pic>
+    </p:spTree>
+    <p:extLst>
+      <p:ext uri="{BB962C8B-B14F-4D97-AF65-F5344CB8AC3E}">
+        <p14:creationId xmlns:p14="http://schemas.microsoft.com/office/powerpoint/2010/main" val="2930836219"/>
+      </p:ext>
+    </p:extLst>
+  </p:cSld>
+  <p:clrMapOvr>
+    <a:masterClrMapping/>
+  </p:clrMapOvr>
+</p:sld>
+</file>
+
+<file path=ppt/slides/slide33.xml><?xml version="1.0" encoding="utf-8"?>
+<p:sld xmlns:a="http://schemas.openxmlformats.org/drawingml/2006/main" xmlns:r="http://schemas.openxmlformats.org/officeDocument/2006/relationships" xmlns:p="http://schemas.openxmlformats.org/presentationml/2006/main">
+  <p:cSld>
+    <p:spTree>
+      <p:nvGrpSpPr>
+        <p:cNvPr id="1" name=""/>
+        <p:cNvGrpSpPr/>
+        <p:nvPr/>
+      </p:nvGrpSpPr>
+      <p:grpSpPr>
+        <a:xfrm>
+          <a:off x="0" y="0"/>
+          <a:ext cx="0" cy="0"/>
+          <a:chOff x="0" y="0"/>
+          <a:chExt cx="0" cy="0"/>
+        </a:xfrm>
+      </p:grpSpPr>
+      <p:cxnSp>
+        <p:nvCxnSpPr>
+          <p:cNvPr id="5" name="直接连接符 4">
+            <a:extLst>
+              <a:ext uri="{FF2B5EF4-FFF2-40B4-BE49-F238E27FC236}">
+                <a16:creationId xmlns:a16="http://schemas.microsoft.com/office/drawing/2014/main" id="{6B1CA8DA-BFAC-4F32-A71A-7033441EA665}"/>
+              </a:ext>
+            </a:extLst>
+          </p:cNvPr>
+          <p:cNvCxnSpPr>
+            <a:cxnSpLocks/>
+          </p:cNvCxnSpPr>
+          <p:nvPr/>
+        </p:nvCxnSpPr>
+        <p:spPr>
+          <a:xfrm>
+            <a:off x="325847" y="6127667"/>
+            <a:ext cx="7155608" cy="0"/>
+          </a:xfrm>
+          <a:prstGeom prst="line">
+            <a:avLst/>
+          </a:prstGeom>
+          <a:ln w="38100">
+            <a:solidFill>
+              <a:srgbClr val="FF0000"/>
+            </a:solidFill>
+          </a:ln>
+        </p:spPr>
+        <p:style>
+          <a:lnRef idx="1">
+            <a:schemeClr val="accent1"/>
+          </a:lnRef>
+          <a:fillRef idx="0">
+            <a:schemeClr val="accent1"/>
+          </a:fillRef>
+          <a:effectRef idx="0">
+            <a:schemeClr val="accent1"/>
+          </a:effectRef>
+          <a:fontRef idx="minor">
+            <a:schemeClr val="tx1"/>
+          </a:fontRef>
+        </p:style>
+      </p:cxnSp>
+      <p:grpSp>
+        <p:nvGrpSpPr>
+          <p:cNvPr id="10" name="组合 9">
+            <a:extLst>
+              <a:ext uri="{FF2B5EF4-FFF2-40B4-BE49-F238E27FC236}">
+                <a16:creationId xmlns:a16="http://schemas.microsoft.com/office/drawing/2014/main" id="{CA843617-0C43-4EE0-B172-6636FA16F9BD}"/>
+              </a:ext>
+            </a:extLst>
+          </p:cNvPr>
+          <p:cNvGrpSpPr/>
+          <p:nvPr/>
+        </p:nvGrpSpPr>
+        <p:grpSpPr>
+          <a:xfrm>
+            <a:off x="432001" y="395863"/>
+            <a:ext cx="6889172" cy="682765"/>
+            <a:chOff x="624346" y="457264"/>
+            <a:chExt cx="6889172" cy="682765"/>
+          </a:xfrm>
+        </p:grpSpPr>
+        <p:pic>
+          <p:nvPicPr>
+            <p:cNvPr id="18" name="图片 9">
+              <a:extLst>
+                <a:ext uri="{FF2B5EF4-FFF2-40B4-BE49-F238E27FC236}">
+                  <a16:creationId xmlns:a16="http://schemas.microsoft.com/office/drawing/2014/main" id="{24D562A5-6601-4D8B-A696-969EE3695A45}"/>
+                </a:ext>
+              </a:extLst>
+            </p:cNvPr>
+            <p:cNvPicPr>
+              <a:picLocks noChangeAspect="1"/>
+            </p:cNvPicPr>
+            <p:nvPr/>
+          </p:nvPicPr>
+          <p:blipFill>
+            <a:blip r:embed="rId3" cstate="print">
+              <a:duotone>
+                <a:schemeClr val="accent6">
+                  <a:shade val="45000"/>
+                  <a:satMod val="135000"/>
+                </a:schemeClr>
+                <a:prstClr val="white"/>
+              </a:duotone>
+              <a:extLst>
+                <a:ext uri="{28A0092B-C50C-407E-A947-70E740481C1C}">
+                  <a14:useLocalDpi xmlns:a14="http://schemas.microsoft.com/office/drawing/2010/main" val="0"/>
+                </a:ext>
+              </a:extLst>
+            </a:blip>
+            <a:srcRect l="2890" t="13011" b="27728"/>
+            <a:stretch>
+              <a:fillRect/>
+            </a:stretch>
+          </p:blipFill>
+          <p:spPr bwMode="auto">
+            <a:xfrm>
+              <a:off x="624346" y="457264"/>
+              <a:ext cx="6889172" cy="682765"/>
+            </a:xfrm>
+            <a:prstGeom prst="rect">
+              <a:avLst/>
+            </a:prstGeom>
+            <a:noFill/>
+            <a:ln>
+              <a:noFill/>
+            </a:ln>
+            <a:extLst>
+              <a:ext uri="{909E8E84-426E-40DD-AFC4-6F175D3DCCD1}">
+                <a14:hiddenFill xmlns:a14="http://schemas.microsoft.com/office/drawing/2010/main">
+                  <a:solidFill>
+                    <a:srgbClr val="FFFFFF"/>
+                  </a:solidFill>
+                </a14:hiddenFill>
+              </a:ext>
+              <a:ext uri="{91240B29-F687-4F45-9708-019B960494DF}">
+                <a14:hiddenLine xmlns:a14="http://schemas.microsoft.com/office/drawing/2010/main" w="9525">
+                  <a:solidFill>
+                    <a:srgbClr val="000000"/>
+                  </a:solidFill>
+                  <a:miter lim="800000"/>
+                  <a:headEnd/>
+                  <a:tailEnd/>
+                </a14:hiddenLine>
+              </a:ext>
+            </a:extLst>
+          </p:spPr>
+        </p:pic>
+        <p:sp>
+          <p:nvSpPr>
+            <p:cNvPr id="23" name="文本框 22">
+              <a:extLst>
+                <a:ext uri="{FF2B5EF4-FFF2-40B4-BE49-F238E27FC236}">
+                  <a16:creationId xmlns:a16="http://schemas.microsoft.com/office/drawing/2014/main" id="{2520DF74-FA79-4ED9-A4C1-7D110EDEFCB0}"/>
+                </a:ext>
+              </a:extLst>
+            </p:cNvPr>
+            <p:cNvSpPr txBox="1"/>
+            <p:nvPr/>
+          </p:nvSpPr>
+          <p:spPr>
+            <a:xfrm flipH="1">
+              <a:off x="1043741" y="472448"/>
+              <a:ext cx="6226297" cy="584775"/>
+            </a:xfrm>
+            <a:prstGeom prst="rect">
+              <a:avLst/>
+            </a:prstGeom>
+            <a:noFill/>
+          </p:spPr>
+          <p:txBody>
+            <a:bodyPr wrap="square" rtlCol="0">
+              <a:spAutoFit/>
+            </a:bodyPr>
+            <a:lstStyle/>
+            <a:p>
+              <a:r>
+                <a:rPr lang="en-US" altLang="zh-CN" sz="3200" dirty="0">
+                  <a:solidFill>
+                    <a:prstClr val="white"/>
+                  </a:solidFill>
+                  <a:latin typeface="Times New Roman" panose="02020603050405020304" pitchFamily="18" charset="0"/>
+                  <a:ea typeface="黑体" panose="02010609060101010101" pitchFamily="49" charset="-122"/>
+                  <a:cs typeface="Times New Roman" panose="02020603050405020304" pitchFamily="18" charset="0"/>
+                </a:rPr>
+                <a:t>5. </a:t>
+              </a:r>
+              <a:r>
+                <a:rPr lang="zh-CN" altLang="en-US" sz="3200" dirty="0">
+                  <a:solidFill>
+                    <a:prstClr val="white"/>
+                  </a:solidFill>
+                  <a:latin typeface="Times New Roman" panose="02020603050405020304" pitchFamily="18" charset="0"/>
+                  <a:ea typeface="黑体" panose="02010609060101010101" pitchFamily="49" charset="-122"/>
+                  <a:cs typeface="Times New Roman" panose="02020603050405020304" pitchFamily="18" charset="0"/>
+                </a:rPr>
+                <a:t>投入实践：</a:t>
+              </a:r>
+              <a:endParaRPr lang="zh-CN" altLang="en-US" sz="3200" dirty="0">
+                <a:solidFill>
+                  <a:prstClr val="white"/>
+                </a:solidFill>
+                <a:latin typeface="黑体" panose="02010609060101010101" pitchFamily="49" charset="-122"/>
+                <a:ea typeface="黑体" panose="02010609060101010101" pitchFamily="49" charset="-122"/>
+              </a:endParaRPr>
+            </a:p>
+          </p:txBody>
+        </p:sp>
+      </p:grpSp>
+      <p:sp>
+        <p:nvSpPr>
+          <p:cNvPr id="24" name="TextBox 12">
+            <a:extLst>
+              <a:ext uri="{FF2B5EF4-FFF2-40B4-BE49-F238E27FC236}">
+                <a16:creationId xmlns:a16="http://schemas.microsoft.com/office/drawing/2014/main" id="{61BFA2BD-891F-4D33-93B3-8A4A20A9DCFB}"/>
+              </a:ext>
+            </a:extLst>
+          </p:cNvPr>
+          <p:cNvSpPr txBox="1"/>
+          <p:nvPr/>
+        </p:nvSpPr>
+        <p:spPr>
+          <a:xfrm>
+            <a:off x="218968" y="6335896"/>
+            <a:ext cx="9262753" cy="369332"/>
+          </a:xfrm>
+          <a:prstGeom prst="rect">
+            <a:avLst/>
+          </a:prstGeom>
+          <a:noFill/>
+        </p:spPr>
+        <p:txBody>
+          <a:bodyPr wrap="square">
+            <a:spAutoFit/>
+          </a:bodyPr>
+          <a:lstStyle/>
+          <a:p>
+            <a:pPr fontAlgn="base">
+              <a:spcBef>
+                <a:spcPct val="0"/>
+              </a:spcBef>
+              <a:spcAft>
+                <a:spcPct val="0"/>
+              </a:spcAft>
+              <a:defRPr/>
+            </a:pPr>
+            <a:r>
+              <a:rPr lang="zh-CN" altLang="en-US" dirty="0">
+                <a:solidFill>
+                  <a:srgbClr val="4F81BD">
+                    <a:lumMod val="50000"/>
+                  </a:srgbClr>
+                </a:solidFill>
+                <a:latin typeface="Times New Roman" panose="02020603050405020304" pitchFamily="18" charset="0"/>
+                <a:ea typeface="华文新魏" pitchFamily="2" charset="-122"/>
+                <a:cs typeface="Times New Roman" panose="02020603050405020304" pitchFamily="18" charset="0"/>
+              </a:rPr>
+              <a:t>黄天元 （</a:t>
+            </a:r>
+            <a:r>
+              <a:rPr lang="en-US" altLang="zh-CN" dirty="0">
+                <a:solidFill>
+                  <a:srgbClr val="4F81BD">
+                    <a:lumMod val="50000"/>
+                  </a:srgbClr>
+                </a:solidFill>
+                <a:latin typeface="Times New Roman" panose="02020603050405020304" pitchFamily="18" charset="0"/>
+                <a:ea typeface="华文新魏" pitchFamily="2" charset="-122"/>
+                <a:cs typeface="Times New Roman" panose="02020603050405020304" pitchFamily="18" charset="0"/>
+              </a:rPr>
+              <a:t>Email: huang.tian-yuan@qq.com</a:t>
+            </a:r>
+            <a:r>
+              <a:rPr lang="zh-CN" altLang="en-US" dirty="0">
+                <a:solidFill>
+                  <a:srgbClr val="4F81BD">
+                    <a:lumMod val="50000"/>
+                  </a:srgbClr>
+                </a:solidFill>
+                <a:latin typeface="Times New Roman" panose="02020603050405020304" pitchFamily="18" charset="0"/>
+                <a:ea typeface="华文新魏" pitchFamily="2" charset="-122"/>
+                <a:cs typeface="Times New Roman" panose="02020603050405020304" pitchFamily="18" charset="0"/>
+              </a:rPr>
+              <a:t>） </a:t>
+            </a:r>
+            <a:r>
+              <a:rPr lang="en-US" altLang="zh-CN" dirty="0">
+                <a:solidFill>
+                  <a:srgbClr val="4F81BD">
+                    <a:lumMod val="50000"/>
+                  </a:srgbClr>
+                </a:solidFill>
+                <a:latin typeface="Times New Roman" panose="02020603050405020304" pitchFamily="18" charset="0"/>
+                <a:ea typeface="华文新魏" pitchFamily="2" charset="-122"/>
+                <a:cs typeface="Times New Roman" panose="02020603050405020304" pitchFamily="18" charset="0"/>
+              </a:rPr>
+              <a:t>https://github.com/hope-data-science/tidyfst</a:t>
+            </a:r>
+            <a:r>
+              <a:rPr lang="zh-CN" altLang="en-US" dirty="0">
+                <a:solidFill>
+                  <a:srgbClr val="4F81BD">
+                    <a:lumMod val="50000"/>
+                  </a:srgbClr>
+                </a:solidFill>
+                <a:latin typeface="Times New Roman" panose="02020603050405020304" pitchFamily="18" charset="0"/>
+                <a:ea typeface="华文新魏" pitchFamily="2" charset="-122"/>
+                <a:cs typeface="Times New Roman" panose="02020603050405020304" pitchFamily="18" charset="0"/>
+              </a:rPr>
+              <a:t> </a:t>
+            </a:r>
+          </a:p>
+        </p:txBody>
+      </p:sp>
+      <p:pic>
+        <p:nvPicPr>
+          <p:cNvPr id="12" name="图片 11">
+            <a:extLst>
+              <a:ext uri="{FF2B5EF4-FFF2-40B4-BE49-F238E27FC236}">
+                <a16:creationId xmlns:a16="http://schemas.microsoft.com/office/drawing/2014/main" id="{16FFFD21-E49C-49F3-9131-5499362115AF}"/>
+              </a:ext>
+            </a:extLst>
+          </p:cNvPr>
+          <p:cNvPicPr>
+            <a:picLocks noChangeAspect="1"/>
+          </p:cNvPicPr>
+          <p:nvPr/>
+        </p:nvPicPr>
+        <p:blipFill>
+          <a:blip r:embed="rId4" cstate="print">
+            <a:extLst>
+              <a:ext uri="{28A0092B-C50C-407E-A947-70E740481C1C}">
+                <a14:useLocalDpi xmlns:a14="http://schemas.microsoft.com/office/drawing/2010/main" val="0"/>
+              </a:ext>
+            </a:extLst>
+          </a:blip>
+          <a:stretch>
+            <a:fillRect/>
+          </a:stretch>
+        </p:blipFill>
+        <p:spPr>
+          <a:xfrm>
+            <a:off x="7623958" y="89604"/>
+            <a:ext cx="1353789" cy="1566585"/>
+          </a:xfrm>
+          <a:prstGeom prst="rect">
+            <a:avLst/>
+          </a:prstGeom>
+        </p:spPr>
+      </p:pic>
+      <p:sp>
+        <p:nvSpPr>
+          <p:cNvPr id="2" name="矩形 1">
+            <a:extLst>
+              <a:ext uri="{FF2B5EF4-FFF2-40B4-BE49-F238E27FC236}">
+                <a16:creationId xmlns:a16="http://schemas.microsoft.com/office/drawing/2014/main" id="{E2FA8DFF-3F68-440A-8962-DFC96FF0D19F}"/>
+              </a:ext>
+            </a:extLst>
+          </p:cNvPr>
+          <p:cNvSpPr/>
+          <p:nvPr/>
+        </p:nvSpPr>
+        <p:spPr>
+          <a:xfrm>
+            <a:off x="491344" y="2227061"/>
+            <a:ext cx="8486403" cy="461665"/>
+          </a:xfrm>
+          <a:prstGeom prst="rect">
+            <a:avLst/>
+          </a:prstGeom>
+        </p:spPr>
+        <p:txBody>
+          <a:bodyPr wrap="square">
+            <a:spAutoFit/>
+          </a:bodyPr>
+          <a:lstStyle/>
+          <a:p>
+            <a:r>
+              <a:rPr lang="zh-CN" altLang="en-US" sz="2400" b="1" dirty="0">
+                <a:latin typeface="Times New Roman" panose="02020603050405020304" pitchFamily="18" charset="0"/>
+                <a:cs typeface="Times New Roman" panose="02020603050405020304" pitchFamily="18" charset="0"/>
+              </a:rPr>
+              <a:t>https://hope-data-science.github.io/tidyfst/reference/index.html</a:t>
+            </a:r>
+          </a:p>
+        </p:txBody>
+      </p:sp>
+      <p:sp>
+        <p:nvSpPr>
+          <p:cNvPr id="9" name="矩形 8">
+            <a:extLst>
+              <a:ext uri="{FF2B5EF4-FFF2-40B4-BE49-F238E27FC236}">
+                <a16:creationId xmlns:a16="http://schemas.microsoft.com/office/drawing/2014/main" id="{5FAACFAB-449C-4778-AA1F-5330367A7586}"/>
+              </a:ext>
+            </a:extLst>
+          </p:cNvPr>
+          <p:cNvSpPr/>
+          <p:nvPr/>
+        </p:nvSpPr>
+        <p:spPr>
+          <a:xfrm>
+            <a:off x="1202816" y="1633584"/>
+            <a:ext cx="6421142" cy="461665"/>
+          </a:xfrm>
+          <a:prstGeom prst="rect">
+            <a:avLst/>
+          </a:prstGeom>
+        </p:spPr>
+        <p:txBody>
+          <a:bodyPr wrap="square">
+            <a:spAutoFit/>
+          </a:bodyPr>
+          <a:lstStyle/>
+          <a:p>
+            <a:pPr algn="ctr"/>
+            <a:r>
+              <a:rPr lang="zh-CN" altLang="en-US" sz="2400" b="1" dirty="0">
+                <a:solidFill>
+                  <a:srgbClr val="4D5156"/>
+                </a:solidFill>
+                <a:latin typeface="arial" panose="020B0604020202020204" pitchFamily="34" charset="0"/>
+                <a:ea typeface="仿宋" panose="02010609060101010101" pitchFamily="49" charset="-122"/>
+              </a:rPr>
+              <a:t>全部函数的文档信息</a:t>
+            </a:r>
+            <a:endParaRPr lang="en-US" altLang="zh-CN" sz="2400" b="1" dirty="0">
+              <a:solidFill>
+                <a:srgbClr val="4D5156"/>
+              </a:solidFill>
+              <a:latin typeface="arial" panose="020B0604020202020204" pitchFamily="34" charset="0"/>
+              <a:ea typeface="仿宋" panose="02010609060101010101" pitchFamily="49" charset="-122"/>
+            </a:endParaRPr>
+          </a:p>
+        </p:txBody>
+      </p:sp>
+      <p:pic>
+        <p:nvPicPr>
+          <p:cNvPr id="3" name="图片 2">
+            <a:extLst>
+              <a:ext uri="{FF2B5EF4-FFF2-40B4-BE49-F238E27FC236}">
+                <a16:creationId xmlns:a16="http://schemas.microsoft.com/office/drawing/2014/main" id="{C1D4933C-4583-46E7-8B07-A81A7ACD6587}"/>
+              </a:ext>
+            </a:extLst>
+          </p:cNvPr>
+          <p:cNvPicPr>
+            <a:picLocks noChangeAspect="1"/>
+          </p:cNvPicPr>
+          <p:nvPr/>
+        </p:nvPicPr>
+        <p:blipFill>
+          <a:blip r:embed="rId5"/>
+          <a:stretch>
+            <a:fillRect/>
+          </a:stretch>
+        </p:blipFill>
+        <p:spPr>
+          <a:xfrm>
             <a:off x="432001" y="2711694"/>
             <a:ext cx="2725634" cy="3207745"/>
           </a:xfrm>
@@ -20999,7 +21591,7 @@
 </p:sld>
 </file>
 
-<file path=ppt/slides/slide33.xml><?xml version="1.0" encoding="utf-8"?>
+<file path=ppt/slides/slide34.xml><?xml version="1.0" encoding="utf-8"?>
 <p:sld xmlns:a="http://schemas.openxmlformats.org/drawingml/2006/main" xmlns:r="http://schemas.openxmlformats.org/officeDocument/2006/relationships" xmlns:p="http://schemas.openxmlformats.org/presentationml/2006/main">
   <p:cSld>
     <p:spTree>
@@ -21747,7 +22339,7 @@
 </p:sld>
 </file>
 
-<file path=ppt/slides/slide34.xml><?xml version="1.0" encoding="utf-8"?>
+<file path=ppt/slides/slide35.xml><?xml version="1.0" encoding="utf-8"?>
 <p:sld xmlns:a="http://schemas.openxmlformats.org/drawingml/2006/main" xmlns:r="http://schemas.openxmlformats.org/officeDocument/2006/relationships" xmlns:p="http://schemas.openxmlformats.org/presentationml/2006/main">
   <p:cSld>
     <p:spTree>

--- a/docs/tidyfst-Rconf.pptx
+++ b/docs/tidyfst-Rconf.pptx
@@ -242,7 +242,7 @@
           <a:p>
             <a:fld id="{169E4104-2A06-4F3B-97B7-9A96C0C406DE}" type="datetimeFigureOut">
               <a:rPr lang="zh-CN" altLang="en-US" smtClean="0"/>
-              <a:t>2022/10/14</a:t>
+              <a:t>2022/11/18</a:t>
             </a:fld>
             <a:endParaRPr lang="zh-CN" altLang="en-US"/>
           </a:p>
@@ -3903,7 +3903,7 @@
           <a:p>
             <a:fld id="{2540F94E-B641-4017-A995-067AA949C535}" type="datetimeFigureOut">
               <a:rPr lang="zh-CN" altLang="en-US" smtClean="0"/>
-              <a:t>2022/10/14</a:t>
+              <a:t>2022/11/18</a:t>
             </a:fld>
             <a:endParaRPr lang="zh-CN" altLang="en-US"/>
           </a:p>
@@ -4073,7 +4073,7 @@
           <a:p>
             <a:fld id="{2540F94E-B641-4017-A995-067AA949C535}" type="datetimeFigureOut">
               <a:rPr lang="zh-CN" altLang="en-US" smtClean="0"/>
-              <a:t>2022/10/14</a:t>
+              <a:t>2022/11/18</a:t>
             </a:fld>
             <a:endParaRPr lang="zh-CN" altLang="en-US"/>
           </a:p>
@@ -4253,7 +4253,7 @@
           <a:p>
             <a:fld id="{2540F94E-B641-4017-A995-067AA949C535}" type="datetimeFigureOut">
               <a:rPr lang="zh-CN" altLang="en-US" smtClean="0"/>
-              <a:t>2022/10/14</a:t>
+              <a:t>2022/11/18</a:t>
             </a:fld>
             <a:endParaRPr lang="zh-CN" altLang="en-US"/>
           </a:p>
@@ -4423,7 +4423,7 @@
           <a:p>
             <a:fld id="{2540F94E-B641-4017-A995-067AA949C535}" type="datetimeFigureOut">
               <a:rPr lang="zh-CN" altLang="en-US" smtClean="0"/>
-              <a:t>2022/10/14</a:t>
+              <a:t>2022/11/18</a:t>
             </a:fld>
             <a:endParaRPr lang="zh-CN" altLang="en-US"/>
           </a:p>
@@ -4667,7 +4667,7 @@
           <a:p>
             <a:fld id="{2540F94E-B641-4017-A995-067AA949C535}" type="datetimeFigureOut">
               <a:rPr lang="zh-CN" altLang="en-US" smtClean="0"/>
-              <a:t>2022/10/14</a:t>
+              <a:t>2022/11/18</a:t>
             </a:fld>
             <a:endParaRPr lang="zh-CN" altLang="en-US"/>
           </a:p>
@@ -4899,7 +4899,7 @@
           <a:p>
             <a:fld id="{2540F94E-B641-4017-A995-067AA949C535}" type="datetimeFigureOut">
               <a:rPr lang="zh-CN" altLang="en-US" smtClean="0"/>
-              <a:t>2022/10/14</a:t>
+              <a:t>2022/11/18</a:t>
             </a:fld>
             <a:endParaRPr lang="zh-CN" altLang="en-US"/>
           </a:p>
@@ -5266,7 +5266,7 @@
           <a:p>
             <a:fld id="{2540F94E-B641-4017-A995-067AA949C535}" type="datetimeFigureOut">
               <a:rPr lang="zh-CN" altLang="en-US" smtClean="0"/>
-              <a:t>2022/10/14</a:t>
+              <a:t>2022/11/18</a:t>
             </a:fld>
             <a:endParaRPr lang="zh-CN" altLang="en-US"/>
           </a:p>
@@ -5384,7 +5384,7 @@
           <a:p>
             <a:fld id="{2540F94E-B641-4017-A995-067AA949C535}" type="datetimeFigureOut">
               <a:rPr lang="zh-CN" altLang="en-US" smtClean="0"/>
-              <a:t>2022/10/14</a:t>
+              <a:t>2022/11/18</a:t>
             </a:fld>
             <a:endParaRPr lang="zh-CN" altLang="en-US"/>
           </a:p>
@@ -5479,7 +5479,7 @@
           <a:p>
             <a:fld id="{2540F94E-B641-4017-A995-067AA949C535}" type="datetimeFigureOut">
               <a:rPr lang="zh-CN" altLang="en-US" smtClean="0"/>
-              <a:t>2022/10/14</a:t>
+              <a:t>2022/11/18</a:t>
             </a:fld>
             <a:endParaRPr lang="zh-CN" altLang="en-US"/>
           </a:p>
@@ -5756,7 +5756,7 @@
           <a:p>
             <a:fld id="{2540F94E-B641-4017-A995-067AA949C535}" type="datetimeFigureOut">
               <a:rPr lang="zh-CN" altLang="en-US" smtClean="0"/>
-              <a:t>2022/10/14</a:t>
+              <a:t>2022/11/18</a:t>
             </a:fld>
             <a:endParaRPr lang="zh-CN" altLang="en-US"/>
           </a:p>
@@ -6013,7 +6013,7 @@
           <a:p>
             <a:fld id="{2540F94E-B641-4017-A995-067AA949C535}" type="datetimeFigureOut">
               <a:rPr lang="zh-CN" altLang="en-US" smtClean="0"/>
-              <a:t>2022/10/14</a:t>
+              <a:t>2022/11/18</a:t>
             </a:fld>
             <a:endParaRPr lang="zh-CN" altLang="en-US"/>
           </a:p>
@@ -6226,7 +6226,7 @@
           <a:p>
             <a:fld id="{2540F94E-B641-4017-A995-067AA949C535}" type="datetimeFigureOut">
               <a:rPr lang="zh-CN" altLang="en-US" smtClean="0"/>
-              <a:t>2022/10/14</a:t>
+              <a:t>2022/11/18</a:t>
             </a:fld>
             <a:endParaRPr lang="zh-CN" altLang="en-US"/>
           </a:p>
@@ -6697,7 +6697,7 @@
         <p:spPr>
           <a:xfrm>
             <a:off x="3751903" y="5793834"/>
-            <a:ext cx="1640193" cy="400110"/>
+            <a:ext cx="1457579" cy="400110"/>
           </a:xfrm>
           <a:prstGeom prst="rect">
             <a:avLst/>
@@ -6715,7 +6715,7 @@
                 <a:latin typeface="Times New Roman" panose="02020603050405020304" pitchFamily="18" charset="0"/>
                 <a:cs typeface="Times New Roman" panose="02020603050405020304" pitchFamily="18" charset="0"/>
               </a:rPr>
-              <a:t>202X</a:t>
+              <a:t>2022</a:t>
             </a:r>
             <a:r>
               <a:rPr lang="zh-CN" altLang="en-US" sz="2000" dirty="0">
@@ -6729,7 +6729,7 @@
                 <a:latin typeface="Times New Roman" panose="02020603050405020304" pitchFamily="18" charset="0"/>
                 <a:cs typeface="Times New Roman" panose="02020603050405020304" pitchFamily="18" charset="0"/>
               </a:rPr>
-              <a:t>XX</a:t>
+              <a:t>11</a:t>
             </a:r>
             <a:r>
               <a:rPr lang="zh-CN" altLang="en-US" sz="2000" dirty="0">
@@ -7230,7 +7230,7 @@
                 <a:latin typeface="华光小标宋_CNKI" panose="02000500000000000000" pitchFamily="2" charset="-122"/>
                 <a:ea typeface="华光小标宋_CNKI" panose="02000500000000000000" pitchFamily="2" charset="-122"/>
               </a:rPr>
-              <a:t>XX</a:t>
+              <a:t>15</a:t>
             </a:r>
             <a:r>
               <a:rPr lang="zh-CN" altLang="en-US" dirty="0">
